--- a/webinar/demos/stocks/stocks.pptx
+++ b/webinar/demos/stocks/stocks.pptx
@@ -3744,7 +3744,7 @@
             </a:pPr>
             <a:r>
               <a:rPr/>
-              <a:t>TSLA:</a:t>
+              <a:t>IBM:</a:t>
             </a:r>
             <a:r>
               <a:rPr/>
@@ -3752,7 +3752,7 @@
             </a:r>
             <a:r>
               <a:rPr/>
-              <a:t>2018-11-05</a:t>
+              <a:t>2018-11-06</a:t>
             </a:r>
             <a:r>
               <a:rPr/>
@@ -3768,7 +3768,7 @@
             </a:r>
             <a:r>
               <a:rPr/>
-              <a:t>2018-11-26</a:t>
+              <a:t>2018-11-27</a:t>
             </a:r>
           </a:p>
         </p:txBody>
@@ -3840,28 +3840,28 @@
             </a:pPr>
             <a:r>
               <a:rPr/>
-              <a:t>TSLA closed down at 325.83 dollars per share on 2018-11-26.</a:t>
+              <a:t>IBM closed up at 119.56 dollars per share on 2018-11-27.</a:t>
             </a:r>
           </a:p>
           <a:p>
             <a:pPr lvl="1"/>
             <a:r>
               <a:rPr/>
-              <a:t>High: 337.5</a:t>
+              <a:t>High: 120.25</a:t>
             </a:r>
           </a:p>
           <a:p>
             <a:pPr lvl="1"/>
             <a:r>
               <a:rPr/>
-              <a:t>Low: 325.55</a:t>
+              <a:t>Low: 118.06</a:t>
             </a:r>
           </a:p>
           <a:p>
             <a:pPr lvl="1"/>
             <a:r>
               <a:rPr/>
-              <a:t>Close: 325.83</a:t>
+              <a:t>Close: 119.56</a:t>
             </a:r>
           </a:p>
         </p:txBody>
@@ -4000,7 +4000,7 @@
             </a:r>
             <a:r>
               <a:rPr/>
-              <a:t>TSLA</a:t>
+              <a:t>IBM</a:t>
             </a:r>
           </a:p>
         </p:txBody>
@@ -4047,7 +4047,7 @@
             </a:pPr>
             <a:r>
               <a:rPr/>
-              <a:t>TSLA</a:t>
+              <a:t>IBM</a:t>
             </a:r>
             <a:r>
               <a:rPr/>
@@ -4188,83 +4188,6 @@
                       </a:pPr>
                       <a:r>
                         <a:rPr/>
-                        <a:t>2018-11-14</a:t>
-                      </a:r>
-                    </a:p>
-                  </a:txBody>
-                </a:tc>
-                <a:tc>
-                  <a:txBody>
-                    <a:bodyPr/>
-                    <a:lstStyle/>
-                    <a:p>
-                      <a:pPr lvl="0" marL="0" indent="0" algn="r">
-                        <a:buNone/>
-                      </a:pPr>
-                      <a:r>
-                        <a:rPr/>
-                        <a:t>342.70</a:t>
-                      </a:r>
-                    </a:p>
-                  </a:txBody>
-                </a:tc>
-                <a:tc>
-                  <a:txBody>
-                    <a:bodyPr/>
-                    <a:lstStyle/>
-                    <a:p>
-                      <a:pPr lvl="0" marL="0" indent="0" algn="r">
-                        <a:buNone/>
-                      </a:pPr>
-                      <a:r>
-                        <a:rPr/>
-                        <a:t>347.11</a:t>
-                      </a:r>
-                    </a:p>
-                  </a:txBody>
-                </a:tc>
-                <a:tc>
-                  <a:txBody>
-                    <a:bodyPr/>
-                    <a:lstStyle/>
-                    <a:p>
-                      <a:pPr lvl="0" marL="0" indent="0" algn="r">
-                        <a:buNone/>
-                      </a:pPr>
-                      <a:r>
-                        <a:rPr/>
-                        <a:t>337.15</a:t>
-                      </a:r>
-                    </a:p>
-                  </a:txBody>
-                </a:tc>
-                <a:tc>
-                  <a:txBody>
-                    <a:bodyPr/>
-                    <a:lstStyle/>
-                    <a:p>
-                      <a:pPr lvl="0" marL="0" indent="0" algn="r">
-                        <a:buNone/>
-                      </a:pPr>
-                      <a:r>
-                        <a:rPr/>
-                        <a:t>344.00</a:t>
-                      </a:r>
-                    </a:p>
-                  </a:txBody>
-                </a:tc>
-              </a:tr>
-              <a:tr h="0">
-                <a:tc>
-                  <a:txBody>
-                    <a:bodyPr/>
-                    <a:lstStyle/>
-                    <a:p>
-                      <a:pPr lvl="0" marL="0" indent="0" algn="l">
-                        <a:buNone/>
-                      </a:pPr>
-                      <a:r>
-                        <a:rPr/>
                         <a:t>2018-11-15</a:t>
                       </a:r>
                     </a:p>
@@ -4280,7 +4203,7 @@
                       </a:pPr>
                       <a:r>
                         <a:rPr/>
-                        <a:t>342.33</a:t>
+                        <a:t>119.66</a:t>
                       </a:r>
                     </a:p>
                   </a:txBody>
@@ -4295,7 +4218,7 @@
                       </a:pPr>
                       <a:r>
                         <a:rPr/>
-                        <a:t>348.58</a:t>
+                        <a:t>121.44</a:t>
                       </a:r>
                     </a:p>
                   </a:txBody>
@@ -4310,7 +4233,7 @@
                       </a:pPr>
                       <a:r>
                         <a:rPr/>
-                        <a:t>339.04</a:t>
+                        <a:t>119.51</a:t>
                       </a:r>
                     </a:p>
                   </a:txBody>
@@ -4325,7 +4248,7 @@
                       </a:pPr>
                       <a:r>
                         <a:rPr/>
-                        <a:t>348.44</a:t>
+                        <a:t>121.44</a:t>
                       </a:r>
                     </a:p>
                   </a:txBody>
@@ -4357,7 +4280,7 @@
                       </a:pPr>
                       <a:r>
                         <a:rPr/>
-                        <a:t>345.19</a:t>
+                        <a:t>120.89</a:t>
                       </a:r>
                     </a:p>
                   </a:txBody>
@@ -4372,7 +4295,7 @@
                       </a:pPr>
                       <a:r>
                         <a:rPr/>
-                        <a:t>355.70</a:t>
+                        <a:t>121.85</a:t>
                       </a:r>
                     </a:p>
                   </a:txBody>
@@ -4387,7 +4310,7 @@
                       </a:pPr>
                       <a:r>
                         <a:rPr/>
-                        <a:t>345.12</a:t>
+                        <a:t>120.54</a:t>
                       </a:r>
                     </a:p>
                   </a:txBody>
@@ -4402,7 +4325,7 @@
                       </a:pPr>
                       <a:r>
                         <a:rPr/>
-                        <a:t>354.31</a:t>
+                        <a:t>121.57</a:t>
                       </a:r>
                     </a:p>
                   </a:txBody>
@@ -4434,7 +4357,7 @@
                       </a:pPr>
                       <a:r>
                         <a:rPr/>
-                        <a:t>356.34</a:t>
+                        <a:t>121.63</a:t>
                       </a:r>
                     </a:p>
                   </a:txBody>
@@ -4449,7 +4372,7 @@
                       </a:pPr>
                       <a:r>
                         <a:rPr/>
-                        <a:t>366.75</a:t>
+                        <a:t>122.18</a:t>
                       </a:r>
                     </a:p>
                   </a:txBody>
@@ -4464,7 +4387,7 @@
                       </a:pPr>
                       <a:r>
                         <a:rPr/>
-                        <a:t>352.88</a:t>
+                        <a:t>119.77</a:t>
                       </a:r>
                     </a:p>
                   </a:txBody>
@@ -4479,7 +4402,7 @@
                       </a:pPr>
                       <a:r>
                         <a:rPr/>
-                        <a:t>353.47</a:t>
+                        <a:t>120.31</a:t>
                       </a:r>
                     </a:p>
                   </a:txBody>
@@ -4511,7 +4434,7 @@
                       </a:pPr>
                       <a:r>
                         <a:rPr/>
-                        <a:t>341.75</a:t>
+                        <a:t>118.49</a:t>
                       </a:r>
                     </a:p>
                   </a:txBody>
@@ -4526,7 +4449,7 @@
                       </a:pPr>
                       <a:r>
                         <a:rPr/>
-                        <a:t>349.80</a:t>
+                        <a:t>119.49</a:t>
                       </a:r>
                     </a:p>
                   </a:txBody>
@@ -4541,7 +4464,7 @@
                       </a:pPr>
                       <a:r>
                         <a:rPr/>
-                        <a:t>333.55</a:t>
+                        <a:t>116.70</a:t>
                       </a:r>
                     </a:p>
                   </a:txBody>
@@ -4556,7 +4479,7 @@
                       </a:pPr>
                       <a:r>
                         <a:rPr/>
-                        <a:t>347.49</a:t>
+                        <a:t>117.20</a:t>
                       </a:r>
                     </a:p>
                   </a:txBody>
@@ -4588,7 +4511,7 @@
                       </a:pPr>
                       <a:r>
                         <a:rPr/>
-                        <a:t>352.00</a:t>
+                        <a:t>117.61</a:t>
                       </a:r>
                     </a:p>
                   </a:txBody>
@@ -4603,7 +4526,7 @@
                       </a:pPr>
                       <a:r>
                         <a:rPr/>
-                        <a:t>353.10</a:t>
+                        <a:t>119.51</a:t>
                       </a:r>
                     </a:p>
                   </a:txBody>
@@ -4618,7 +4541,7 @@
                       </a:pPr>
                       <a:r>
                         <a:rPr/>
-                        <a:t>337.40</a:t>
+                        <a:t>117.39</a:t>
                       </a:r>
                     </a:p>
                   </a:txBody>
@@ -4633,7 +4556,7 @@
                       </a:pPr>
                       <a:r>
                         <a:rPr/>
-                        <a:t>338.19</a:t>
+                        <a:t>118.57</a:t>
                       </a:r>
                     </a:p>
                   </a:txBody>
@@ -4665,7 +4588,7 @@
                       </a:pPr>
                       <a:r>
                         <a:rPr/>
-                        <a:t>334.35</a:t>
+                        <a:t>118.09</a:t>
                       </a:r>
                     </a:p>
                   </a:txBody>
@@ -4680,7 +4603,7 @@
                       </a:pPr>
                       <a:r>
                         <a:rPr/>
-                        <a:t>337.50</a:t>
+                        <a:t>118.34</a:t>
                       </a:r>
                     </a:p>
                   </a:txBody>
@@ -4695,7 +4618,7 @@
                       </a:pPr>
                       <a:r>
                         <a:rPr/>
-                        <a:t>325.55</a:t>
+                        <a:t>116.91</a:t>
                       </a:r>
                     </a:p>
                   </a:txBody>
@@ -4710,7 +4633,84 @@
                       </a:pPr>
                       <a:r>
                         <a:rPr/>
-                        <a:t>325.83</a:t>
+                        <a:t>117.19</a:t>
+                      </a:r>
+                    </a:p>
+                  </a:txBody>
+                </a:tc>
+              </a:tr>
+              <a:tr h="0">
+                <a:tc>
+                  <a:txBody>
+                    <a:bodyPr/>
+                    <a:lstStyle/>
+                    <a:p>
+                      <a:pPr lvl="0" marL="0" indent="0" algn="l">
+                        <a:buNone/>
+                      </a:pPr>
+                      <a:r>
+                        <a:rPr/>
+                        <a:t>2018-11-26</a:t>
+                      </a:r>
+                    </a:p>
+                  </a:txBody>
+                </a:tc>
+                <a:tc>
+                  <a:txBody>
+                    <a:bodyPr/>
+                    <a:lstStyle/>
+                    <a:p>
+                      <a:pPr lvl="0" marL="0" indent="0" algn="r">
+                        <a:buNone/>
+                      </a:pPr>
+                      <a:r>
+                        <a:rPr/>
+                        <a:t>118.37</a:t>
+                      </a:r>
+                    </a:p>
+                  </a:txBody>
+                </a:tc>
+                <a:tc>
+                  <a:txBody>
+                    <a:bodyPr/>
+                    <a:lstStyle/>
+                    <a:p>
+                      <a:pPr lvl="0" marL="0" indent="0" algn="r">
+                        <a:buNone/>
+                      </a:pPr>
+                      <a:r>
+                        <a:rPr/>
+                        <a:t>120.25</a:t>
+                      </a:r>
+                    </a:p>
+                  </a:txBody>
+                </a:tc>
+                <a:tc>
+                  <a:txBody>
+                    <a:bodyPr/>
+                    <a:lstStyle/>
+                    <a:p>
+                      <a:pPr lvl="0" marL="0" indent="0" algn="r">
+                        <a:buNone/>
+                      </a:pPr>
+                      <a:r>
+                        <a:rPr/>
+                        <a:t>118.06</a:t>
+                      </a:r>
+                    </a:p>
+                  </a:txBody>
+                </a:tc>
+                <a:tc>
+                  <a:txBody>
+                    <a:bodyPr/>
+                    <a:lstStyle/>
+                    <a:p>
+                      <a:pPr lvl="0" marL="0" indent="0" algn="r">
+                        <a:buNone/>
+                      </a:pPr>
+                      <a:r>
+                        <a:rPr/>
+                        <a:t>119.56</a:t>
                       </a:r>
                     </a:p>
                   </a:txBody>
@@ -4787,7 +4787,7 @@
             </a:pPr>
             <a:r>
               <a:rPr/>
-              <a:t>TSLA trading volume was 4,202,600 shares on 2018-11-26. Average trading volume over this time period was 6,430,229 shares.</a:t>
+              <a:t>IBM trading volume was 4,983,800 shares on 2018-11-27. Average trading volume over this time period was 6,133,400 shares.</a:t>
             </a:r>
           </a:p>
         </p:txBody>
@@ -4871,7 +4871,7 @@
             </a:r>
             <a:r>
               <a:rPr/>
-              <a:t>TSLA</a:t>
+              <a:t>IBM</a:t>
             </a:r>
           </a:p>
         </p:txBody>

--- a/webinar/demos/stocks/stocks.pptx
+++ b/webinar/demos/stocks/stocks.pptx
@@ -3744,7 +3744,7 @@
             </a:pPr>
             <a:r>
               <a:rPr/>
-              <a:t>IBM:</a:t>
+              <a:t>TSLA:</a:t>
             </a:r>
             <a:r>
               <a:rPr/>
@@ -3752,7 +3752,7 @@
             </a:r>
             <a:r>
               <a:rPr/>
-              <a:t>2018-11-06</a:t>
+              <a:t>2018-11-07</a:t>
             </a:r>
             <a:r>
               <a:rPr/>
@@ -3768,7 +3768,7 @@
             </a:r>
             <a:r>
               <a:rPr/>
-              <a:t>2018-11-27</a:t>
+              <a:t>2018-11-28</a:t>
             </a:r>
           </a:p>
         </p:txBody>
@@ -3840,28 +3840,28 @@
             </a:pPr>
             <a:r>
               <a:rPr/>
-              <a:t>IBM closed up at 119.56 dollars per share on 2018-11-27.</a:t>
+              <a:t>TSLA closed up at 343.92 dollars per share on 2018-11-28.</a:t>
             </a:r>
           </a:p>
           <a:p>
             <a:pPr lvl="1"/>
             <a:r>
               <a:rPr/>
-              <a:t>High: 120.25</a:t>
+              <a:t>High: 346.96</a:t>
             </a:r>
           </a:p>
           <a:p>
             <a:pPr lvl="1"/>
             <a:r>
               <a:rPr/>
-              <a:t>Low: 118.06</a:t>
+              <a:t>Low: 335.5</a:t>
             </a:r>
           </a:p>
           <a:p>
             <a:pPr lvl="1"/>
             <a:r>
               <a:rPr/>
-              <a:t>Close: 119.56</a:t>
+              <a:t>Close: 343.92</a:t>
             </a:r>
           </a:p>
         </p:txBody>
@@ -3986,22 +3986,6 @@
               <a:rPr/>
               <a:t>prices</a:t>
             </a:r>
-            <a:r>
-              <a:rPr/>
-              <a:t> </a:t>
-            </a:r>
-            <a:r>
-              <a:rPr/>
-              <a:t>for</a:t>
-            </a:r>
-            <a:r>
-              <a:rPr/>
-              <a:t> </a:t>
-            </a:r>
-            <a:r>
-              <a:rPr/>
-              <a:t>IBM</a:t>
-            </a:r>
           </a:p>
         </p:txBody>
       </p:sp>
@@ -4047,7 +4031,7 @@
             </a:pPr>
             <a:r>
               <a:rPr/>
-              <a:t>IBM</a:t>
+              <a:t>TSLA</a:t>
             </a:r>
             <a:r>
               <a:rPr/>
@@ -4188,83 +4172,6 @@
                       </a:pPr>
                       <a:r>
                         <a:rPr/>
-                        <a:t>2018-11-15</a:t>
-                      </a:r>
-                    </a:p>
-                  </a:txBody>
-                </a:tc>
-                <a:tc>
-                  <a:txBody>
-                    <a:bodyPr/>
-                    <a:lstStyle/>
-                    <a:p>
-                      <a:pPr lvl="0" marL="0" indent="0" algn="r">
-                        <a:buNone/>
-                      </a:pPr>
-                      <a:r>
-                        <a:rPr/>
-                        <a:t>119.66</a:t>
-                      </a:r>
-                    </a:p>
-                  </a:txBody>
-                </a:tc>
-                <a:tc>
-                  <a:txBody>
-                    <a:bodyPr/>
-                    <a:lstStyle/>
-                    <a:p>
-                      <a:pPr lvl="0" marL="0" indent="0" algn="r">
-                        <a:buNone/>
-                      </a:pPr>
-                      <a:r>
-                        <a:rPr/>
-                        <a:t>121.44</a:t>
-                      </a:r>
-                    </a:p>
-                  </a:txBody>
-                </a:tc>
-                <a:tc>
-                  <a:txBody>
-                    <a:bodyPr/>
-                    <a:lstStyle/>
-                    <a:p>
-                      <a:pPr lvl="0" marL="0" indent="0" algn="r">
-                        <a:buNone/>
-                      </a:pPr>
-                      <a:r>
-                        <a:rPr/>
-                        <a:t>119.51</a:t>
-                      </a:r>
-                    </a:p>
-                  </a:txBody>
-                </a:tc>
-                <a:tc>
-                  <a:txBody>
-                    <a:bodyPr/>
-                    <a:lstStyle/>
-                    <a:p>
-                      <a:pPr lvl="0" marL="0" indent="0" algn="r">
-                        <a:buNone/>
-                      </a:pPr>
-                      <a:r>
-                        <a:rPr/>
-                        <a:t>121.44</a:t>
-                      </a:r>
-                    </a:p>
-                  </a:txBody>
-                </a:tc>
-              </a:tr>
-              <a:tr h="0">
-                <a:tc>
-                  <a:txBody>
-                    <a:bodyPr/>
-                    <a:lstStyle/>
-                    <a:p>
-                      <a:pPr lvl="0" marL="0" indent="0" algn="l">
-                        <a:buNone/>
-                      </a:pPr>
-                      <a:r>
-                        <a:rPr/>
                         <a:t>2018-11-16</a:t>
                       </a:r>
                     </a:p>
@@ -4280,7 +4187,7 @@
                       </a:pPr>
                       <a:r>
                         <a:rPr/>
-                        <a:t>120.89</a:t>
+                        <a:t>345.19</a:t>
                       </a:r>
                     </a:p>
                   </a:txBody>
@@ -4295,7 +4202,7 @@
                       </a:pPr>
                       <a:r>
                         <a:rPr/>
-                        <a:t>121.85</a:t>
+                        <a:t>355.70</a:t>
                       </a:r>
                     </a:p>
                   </a:txBody>
@@ -4310,7 +4217,7 @@
                       </a:pPr>
                       <a:r>
                         <a:rPr/>
-                        <a:t>120.54</a:t>
+                        <a:t>345.12</a:t>
                       </a:r>
                     </a:p>
                   </a:txBody>
@@ -4325,7 +4232,7 @@
                       </a:pPr>
                       <a:r>
                         <a:rPr/>
-                        <a:t>121.57</a:t>
+                        <a:t>354.31</a:t>
                       </a:r>
                     </a:p>
                   </a:txBody>
@@ -4357,7 +4264,7 @@
                       </a:pPr>
                       <a:r>
                         <a:rPr/>
-                        <a:t>121.63</a:t>
+                        <a:t>356.34</a:t>
                       </a:r>
                     </a:p>
                   </a:txBody>
@@ -4372,7 +4279,7 @@
                       </a:pPr>
                       <a:r>
                         <a:rPr/>
-                        <a:t>122.18</a:t>
+                        <a:t>366.75</a:t>
                       </a:r>
                     </a:p>
                   </a:txBody>
@@ -4387,7 +4294,7 @@
                       </a:pPr>
                       <a:r>
                         <a:rPr/>
-                        <a:t>119.77</a:t>
+                        <a:t>352.88</a:t>
                       </a:r>
                     </a:p>
                   </a:txBody>
@@ -4402,7 +4309,7 @@
                       </a:pPr>
                       <a:r>
                         <a:rPr/>
-                        <a:t>120.31</a:t>
+                        <a:t>353.47</a:t>
                       </a:r>
                     </a:p>
                   </a:txBody>
@@ -4434,7 +4341,7 @@
                       </a:pPr>
                       <a:r>
                         <a:rPr/>
-                        <a:t>118.49</a:t>
+                        <a:t>341.75</a:t>
                       </a:r>
                     </a:p>
                   </a:txBody>
@@ -4449,7 +4356,7 @@
                       </a:pPr>
                       <a:r>
                         <a:rPr/>
-                        <a:t>119.49</a:t>
+                        <a:t>349.80</a:t>
                       </a:r>
                     </a:p>
                   </a:txBody>
@@ -4464,7 +4371,7 @@
                       </a:pPr>
                       <a:r>
                         <a:rPr/>
-                        <a:t>116.70</a:t>
+                        <a:t>333.55</a:t>
                       </a:r>
                     </a:p>
                   </a:txBody>
@@ -4479,7 +4386,7 @@
                       </a:pPr>
                       <a:r>
                         <a:rPr/>
-                        <a:t>117.20</a:t>
+                        <a:t>347.49</a:t>
                       </a:r>
                     </a:p>
                   </a:txBody>
@@ -4511,7 +4418,7 @@
                       </a:pPr>
                       <a:r>
                         <a:rPr/>
-                        <a:t>117.61</a:t>
+                        <a:t>352.00</a:t>
                       </a:r>
                     </a:p>
                   </a:txBody>
@@ -4526,7 +4433,7 @@
                       </a:pPr>
                       <a:r>
                         <a:rPr/>
-                        <a:t>119.51</a:t>
+                        <a:t>353.10</a:t>
                       </a:r>
                     </a:p>
                   </a:txBody>
@@ -4541,7 +4448,7 @@
                       </a:pPr>
                       <a:r>
                         <a:rPr/>
-                        <a:t>117.39</a:t>
+                        <a:t>337.40</a:t>
                       </a:r>
                     </a:p>
                   </a:txBody>
@@ -4556,7 +4463,7 @@
                       </a:pPr>
                       <a:r>
                         <a:rPr/>
-                        <a:t>118.57</a:t>
+                        <a:t>338.19</a:t>
                       </a:r>
                     </a:p>
                   </a:txBody>
@@ -4588,7 +4495,7 @@
                       </a:pPr>
                       <a:r>
                         <a:rPr/>
-                        <a:t>118.09</a:t>
+                        <a:t>334.35</a:t>
                       </a:r>
                     </a:p>
                   </a:txBody>
@@ -4603,7 +4510,7 @@
                       </a:pPr>
                       <a:r>
                         <a:rPr/>
-                        <a:t>118.34</a:t>
+                        <a:t>337.50</a:t>
                       </a:r>
                     </a:p>
                   </a:txBody>
@@ -4618,7 +4525,7 @@
                       </a:pPr>
                       <a:r>
                         <a:rPr/>
-                        <a:t>116.91</a:t>
+                        <a:t>325.55</a:t>
                       </a:r>
                     </a:p>
                   </a:txBody>
@@ -4633,7 +4540,7 @@
                       </a:pPr>
                       <a:r>
                         <a:rPr/>
-                        <a:t>117.19</a:t>
+                        <a:t>325.83</a:t>
                       </a:r>
                     </a:p>
                   </a:txBody>
@@ -4665,7 +4572,7 @@
                       </a:pPr>
                       <a:r>
                         <a:rPr/>
-                        <a:t>118.37</a:t>
+                        <a:t>325.00</a:t>
                       </a:r>
                     </a:p>
                   </a:txBody>
@@ -4680,7 +4587,7 @@
                       </a:pPr>
                       <a:r>
                         <a:rPr/>
-                        <a:t>120.25</a:t>
+                        <a:t>346.22</a:t>
                       </a:r>
                     </a:p>
                   </a:txBody>
@@ -4695,7 +4602,7 @@
                       </a:pPr>
                       <a:r>
                         <a:rPr/>
-                        <a:t>118.06</a:t>
+                        <a:t>325.00</a:t>
                       </a:r>
                     </a:p>
                   </a:txBody>
@@ -4710,7 +4617,84 @@
                       </a:pPr>
                       <a:r>
                         <a:rPr/>
-                        <a:t>119.56</a:t>
+                        <a:t>346.00</a:t>
+                      </a:r>
+                    </a:p>
+                  </a:txBody>
+                </a:tc>
+              </a:tr>
+              <a:tr h="0">
+                <a:tc>
+                  <a:txBody>
+                    <a:bodyPr/>
+                    <a:lstStyle/>
+                    <a:p>
+                      <a:pPr lvl="0" marL="0" indent="0" algn="l">
+                        <a:buNone/>
+                      </a:pPr>
+                      <a:r>
+                        <a:rPr/>
+                        <a:t>2018-11-27</a:t>
+                      </a:r>
+                    </a:p>
+                  </a:txBody>
+                </a:tc>
+                <a:tc>
+                  <a:txBody>
+                    <a:bodyPr/>
+                    <a:lstStyle/>
+                    <a:p>
+                      <a:pPr lvl="0" marL="0" indent="0" algn="r">
+                        <a:buNone/>
+                      </a:pPr>
+                      <a:r>
+                        <a:rPr/>
+                        <a:t>340.05</a:t>
+                      </a:r>
+                    </a:p>
+                  </a:txBody>
+                </a:tc>
+                <a:tc>
+                  <a:txBody>
+                    <a:bodyPr/>
+                    <a:lstStyle/>
+                    <a:p>
+                      <a:pPr lvl="0" marL="0" indent="0" algn="r">
+                        <a:buNone/>
+                      </a:pPr>
+                      <a:r>
+                        <a:rPr/>
+                        <a:t>346.96</a:t>
+                      </a:r>
+                    </a:p>
+                  </a:txBody>
+                </a:tc>
+                <a:tc>
+                  <a:txBody>
+                    <a:bodyPr/>
+                    <a:lstStyle/>
+                    <a:p>
+                      <a:pPr lvl="0" marL="0" indent="0" algn="r">
+                        <a:buNone/>
+                      </a:pPr>
+                      <a:r>
+                        <a:rPr/>
+                        <a:t>335.50</a:t>
+                      </a:r>
+                    </a:p>
+                  </a:txBody>
+                </a:tc>
+                <a:tc>
+                  <a:txBody>
+                    <a:bodyPr/>
+                    <a:lstStyle/>
+                    <a:p>
+                      <a:pPr lvl="0" marL="0" indent="0" algn="r">
+                        <a:buNone/>
+                      </a:pPr>
+                      <a:r>
+                        <a:rPr/>
+                        <a:t>343.92</a:t>
                       </a:r>
                     </a:p>
                   </a:txBody>
@@ -4787,7 +4771,7 @@
             </a:pPr>
             <a:r>
               <a:rPr/>
-              <a:t>IBM trading volume was 4,983,800 shares on 2018-11-27. Average trading volume over this time period was 6,133,400 shares.</a:t>
+              <a:t>TSLA trading volume was 6,349,700 shares on 2018-11-28. Average trading volume over this time period was 6,411,307 shares.</a:t>
             </a:r>
           </a:p>
         </p:txBody>
@@ -4856,22 +4840,6 @@
             <a:r>
               <a:rPr/>
               <a:t>volume</a:t>
-            </a:r>
-            <a:r>
-              <a:rPr/>
-              <a:t> </a:t>
-            </a:r>
-            <a:r>
-              <a:rPr/>
-              <a:t>for</a:t>
-            </a:r>
-            <a:r>
-              <a:rPr/>
-              <a:t> </a:t>
-            </a:r>
-            <a:r>
-              <a:rPr/>
-              <a:t>IBM</a:t>
             </a:r>
           </a:p>
         </p:txBody>
